--- a/Progress Report/Persianvqa_progress_report.pptx
+++ b/Progress Report/Persianvqa_progress_report.pptx
@@ -11045,8 +11045,21 @@
             <a:pPr algn="l" rtl="0"/>
             <a:r>
               <a:rPr lang="en-US" dirty="0"/>
-              <a:t>Test our model in whole of our dataset</a:t>
+              <a:t>Test our</a:t>
             </a:r>
+            <a:r>
+              <a:rPr lang="fa-IR" dirty="0"/>
+              <a:t> </a:t>
+            </a:r>
+            <a:r>
+              <a:rPr lang="en-US" dirty="0"/>
+              <a:t>baseline model with the whole of our dataset and </a:t>
+            </a:r>
+            <a:r>
+              <a:rPr lang="en-US"/>
+              <a:t>different flavors </a:t>
+            </a:r>
+            <a:endParaRPr lang="en-US" dirty="0"/>
           </a:p>
         </p:txBody>
       </p:sp>
@@ -13955,21 +13968,21 @@
 </file>
 
 <file path=customXml/item1.xml><?xml version="1.0" encoding="utf-8"?>
+<p:properties xmlns:p="http://schemas.microsoft.com/office/2006/metadata/properties" xmlns:xsi="http://www.w3.org/2001/XMLSchema-instance" xmlns:pc="http://schemas.microsoft.com/office/infopath/2007/PartnerControls">
+  <documentManagement>
+    <Status xmlns="71af3243-3dd4-4a8d-8c0d-dd76da1f02a5">Not started</Status>
+    <MediaServiceKeyPoints xmlns="71af3243-3dd4-4a8d-8c0d-dd76da1f02a5" xsi:nil="true"/>
+  </documentManagement>
+</p:properties>
+</file>
+
+<file path=customXml/item2.xml><?xml version="1.0" encoding="utf-8"?>
 <?mso-contentType ?>
 <FormTemplates xmlns="http://schemas.microsoft.com/sharepoint/v3/contenttype/forms">
   <Display>DocumentLibraryForm</Display>
   <Edit>DocumentLibraryForm</Edit>
   <New>DocumentLibraryForm</New>
 </FormTemplates>
-</file>
-
-<file path=customXml/item2.xml><?xml version="1.0" encoding="utf-8"?>
-<p:properties xmlns:p="http://schemas.microsoft.com/office/2006/metadata/properties" xmlns:xsi="http://www.w3.org/2001/XMLSchema-instance" xmlns:pc="http://schemas.microsoft.com/office/infopath/2007/PartnerControls">
-  <documentManagement>
-    <Status xmlns="71af3243-3dd4-4a8d-8c0d-dd76da1f02a5">Not started</Status>
-    <MediaServiceKeyPoints xmlns="71af3243-3dd4-4a8d-8c0d-dd76da1f02a5" xsi:nil="true"/>
-  </documentManagement>
-</p:properties>
 </file>
 
 <file path=customXml/item3.xml><?xml version="1.0" encoding="utf-8"?>
@@ -14194,19 +14207,19 @@
 </file>
 
 <file path=customXml/itemProps1.xml><?xml version="1.0" encoding="utf-8"?>
-<ds:datastoreItem xmlns:ds="http://schemas.openxmlformats.org/officeDocument/2006/customXml" ds:itemID="{CDB58277-F8DF-46FF-84EC-EF41B835E69F}">
+<ds:datastoreItem xmlns:ds="http://schemas.openxmlformats.org/officeDocument/2006/customXml" ds:itemID="{137651BA-F45C-4845-9AB3-E0A65B39F5E1}">
   <ds:schemaRefs>
-    <ds:schemaRef ds:uri="http://schemas.microsoft.com/sharepoint/v3/contenttype/forms"/>
+    <ds:schemaRef ds:uri="http://schemas.microsoft.com/office/2006/metadata/properties"/>
+    <ds:schemaRef ds:uri="http://schemas.microsoft.com/office/infopath/2007/PartnerControls"/>
+    <ds:schemaRef ds:uri="71af3243-3dd4-4a8d-8c0d-dd76da1f02a5"/>
   </ds:schemaRefs>
 </ds:datastoreItem>
 </file>
 
 <file path=customXml/itemProps2.xml><?xml version="1.0" encoding="utf-8"?>
-<ds:datastoreItem xmlns:ds="http://schemas.openxmlformats.org/officeDocument/2006/customXml" ds:itemID="{137651BA-F45C-4845-9AB3-E0A65B39F5E1}">
+<ds:datastoreItem xmlns:ds="http://schemas.openxmlformats.org/officeDocument/2006/customXml" ds:itemID="{CDB58277-F8DF-46FF-84EC-EF41B835E69F}">
   <ds:schemaRefs>
-    <ds:schemaRef ds:uri="http://schemas.microsoft.com/office/2006/metadata/properties"/>
-    <ds:schemaRef ds:uri="http://schemas.microsoft.com/office/infopath/2007/PartnerControls"/>
-    <ds:schemaRef ds:uri="71af3243-3dd4-4a8d-8c0d-dd76da1f02a5"/>
+    <ds:schemaRef ds:uri="http://schemas.microsoft.com/sharepoint/v3/contenttype/forms"/>
   </ds:schemaRefs>
 </ds:datastoreItem>
 </file>

--- a/Progress Report/Persianvqa_progress_report.pptx
+++ b/Progress Report/Persianvqa_progress_report.pptx
@@ -12,32 +12,33 @@
     <p:sldId id="266" r:id="rId9"/>
     <p:sldId id="268" r:id="rId10"/>
     <p:sldId id="263" r:id="rId11"/>
-    <p:sldId id="267" r:id="rId12"/>
-    <p:sldId id="271" r:id="rId13"/>
-    <p:sldId id="269" r:id="rId14"/>
-    <p:sldId id="270" r:id="rId15"/>
-    <p:sldId id="272" r:id="rId16"/>
+    <p:sldId id="273" r:id="rId12"/>
+    <p:sldId id="274" r:id="rId13"/>
+    <p:sldId id="275" r:id="rId14"/>
+    <p:sldId id="269" r:id="rId15"/>
+    <p:sldId id="270" r:id="rId16"/>
+    <p:sldId id="272" r:id="rId17"/>
   </p:sldIdLst>
   <p:sldSz cx="12192000" cy="6858000"/>
   <p:notesSz cx="6858000" cy="9144000"/>
   <p:embeddedFontLst>
     <p:embeddedFont>
       <p:font typeface="B Mitra" panose="020B0604020202020204" charset="-78"/>
-      <p:regular r:id="rId17"/>
-      <p:bold r:id="rId18"/>
+      <p:regular r:id="rId18"/>
+      <p:bold r:id="rId19"/>
     </p:embeddedFont>
     <p:embeddedFont>
       <p:font typeface="Century Gothic" panose="020B0502020202020204" pitchFamily="34" charset="0"/>
-      <p:regular r:id="rId19"/>
-      <p:bold r:id="rId20"/>
-      <p:italic r:id="rId21"/>
-      <p:boldItalic r:id="rId22"/>
+      <p:regular r:id="rId20"/>
+      <p:bold r:id="rId21"/>
+      <p:italic r:id="rId22"/>
+      <p:boldItalic r:id="rId23"/>
     </p:embeddedFont>
     <p:embeddedFont>
       <p:font typeface="Garamond" panose="02020404030301010803" pitchFamily="18" charset="0"/>
-      <p:regular r:id="rId23"/>
-      <p:bold r:id="rId24"/>
-      <p:italic r:id="rId25"/>
+      <p:regular r:id="rId24"/>
+      <p:bold r:id="rId25"/>
+      <p:italic r:id="rId26"/>
     </p:embeddedFont>
   </p:embeddedFontLst>
   <p:defaultTextStyle>
@@ -6700,7 +6701,7 @@
           <a:p>
             <a:fld id="{EA0C0817-A112-4847-8014-A94B7D2A4EA3}" type="datetime1">
               <a:rPr lang="en-US" smtClean="0"/>
-              <a:t>5/26/2020</a:t>
+              <a:t>5/27/2020</a:t>
             </a:fld>
             <a:endParaRPr lang="en-US" dirty="0"/>
           </a:p>
@@ -6902,7 +6903,7 @@
           <a:p>
             <a:fld id="{7332B432-ACDA-4023-A761-2BAB76577B62}" type="datetime1">
               <a:rPr lang="en-US" smtClean="0"/>
-              <a:t>5/26/2020</a:t>
+              <a:t>5/27/2020</a:t>
             </a:fld>
             <a:endParaRPr lang="en-US" dirty="0"/>
           </a:p>
@@ -7501,7 +7502,7 @@
           <a:p>
             <a:fld id="{D9C646AA-F36E-4540-911D-FFFC0A0EF24A}" type="datetime1">
               <a:rPr lang="en-US" smtClean="0"/>
-              <a:t>5/26/2020</a:t>
+              <a:t>5/27/2020</a:t>
             </a:fld>
             <a:endParaRPr lang="en-US" dirty="0"/>
           </a:p>
@@ -7821,7 +7822,7 @@
           <a:p>
             <a:fld id="{69186D26-FA5F-4637-B602-B7C2DC34CFD4}" type="datetime1">
               <a:rPr lang="en-US" smtClean="0"/>
-              <a:t>5/26/2020</a:t>
+              <a:t>5/27/2020</a:t>
             </a:fld>
             <a:endParaRPr lang="en-US" dirty="0"/>
           </a:p>
@@ -8258,7 +8259,7 @@
           <a:p>
             <a:fld id="{8A7F15D8-96D1-4781-BC50-CA8A088B2FE4}" type="datetime1">
               <a:rPr lang="en-US" smtClean="0"/>
-              <a:t>5/26/2020</a:t>
+              <a:t>5/27/2020</a:t>
             </a:fld>
             <a:endParaRPr lang="en-US" dirty="0"/>
           </a:p>
@@ -8376,7 +8377,7 @@
           <a:p>
             <a:fld id="{F9A96C99-B8F8-4528-BD05-0E16E943DC09}" type="datetime1">
               <a:rPr lang="en-US" smtClean="0"/>
-              <a:t>5/26/2020</a:t>
+              <a:t>5/27/2020</a:t>
             </a:fld>
             <a:endParaRPr lang="en-US" dirty="0"/>
           </a:p>
@@ -8471,7 +8472,7 @@
           <a:p>
             <a:fld id="{03636942-C211-4B28-8DBD-C953E00AF71B}" type="datetime1">
               <a:rPr lang="en-US" smtClean="0"/>
-              <a:t>5/26/2020</a:t>
+              <a:t>5/27/2020</a:t>
             </a:fld>
             <a:endParaRPr lang="en-US" dirty="0"/>
           </a:p>
@@ -8888,7 +8889,7 @@
           <a:p>
             <a:fld id="{7E8D12A6-918A-48BD-8CB9-CA713993B0EA}" type="datetime1">
               <a:rPr lang="en-US" smtClean="0"/>
-              <a:t>5/26/2020</a:t>
+              <a:t>5/27/2020</a:t>
             </a:fld>
             <a:endParaRPr lang="en-US" dirty="0"/>
           </a:p>
@@ -9150,7 +9151,7 @@
             <a:fld id="{E778CE86-875F-4587-BCF6-FA054AFC0D53}" type="datetime1">
               <a:rPr lang="en-US" smtClean="0"/>
               <a:pPr/>
-              <a:t>5/26/2020</a:t>
+              <a:t>5/27/2020</a:t>
             </a:fld>
             <a:endParaRPr lang="en-US" dirty="0"/>
           </a:p>
@@ -9666,7 +9667,7 @@
           <a:p>
             <a:fld id="{F6FA2B21-3FCD-4721-B95C-427943F61125}" type="datetime1">
               <a:rPr lang="en-US" smtClean="0"/>
-              <a:t>5/26/2020</a:t>
+              <a:t>5/27/2020</a:t>
             </a:fld>
             <a:endParaRPr lang="en-US" dirty="0"/>
           </a:p>
@@ -10419,6 +10420,300 @@
           <a:chExt cx="0" cy="0"/>
         </a:xfrm>
       </p:grpSpPr>
+      <p:sp>
+        <p:nvSpPr>
+          <p:cNvPr id="2" name="Title 1">
+            <a:extLst>
+              <a:ext uri="{FF2B5EF4-FFF2-40B4-BE49-F238E27FC236}">
+                <a16:creationId xmlns:a16="http://schemas.microsoft.com/office/drawing/2014/main" id="{83F0968B-E058-4233-B38D-38D484B897F1}"/>
+              </a:ext>
+            </a:extLst>
+          </p:cNvPr>
+          <p:cNvSpPr>
+            <a:spLocks noGrp="1"/>
+          </p:cNvSpPr>
+          <p:nvPr>
+            <p:ph type="title"/>
+          </p:nvPr>
+        </p:nvSpPr>
+        <p:spPr/>
+        <p:txBody>
+          <a:bodyPr/>
+          <a:lstStyle/>
+          <a:p>
+            <a:r>
+              <a:rPr lang="en-US" dirty="0"/>
+              <a:t>Primary Results</a:t>
+            </a:r>
+            <a:endParaRPr lang="fa-IR" dirty="0"/>
+          </a:p>
+        </p:txBody>
+      </p:sp>
+      <p:graphicFrame>
+        <p:nvGraphicFramePr>
+          <p:cNvPr id="7" name="Table 7">
+            <a:extLst>
+              <a:ext uri="{FF2B5EF4-FFF2-40B4-BE49-F238E27FC236}">
+                <a16:creationId xmlns:a16="http://schemas.microsoft.com/office/drawing/2014/main" id="{21037135-E8B7-40CD-AD50-B40EFDA9A8FC}"/>
+              </a:ext>
+            </a:extLst>
+          </p:cNvPr>
+          <p:cNvGraphicFramePr>
+            <a:graphicFrameLocks noGrp="1"/>
+          </p:cNvGraphicFramePr>
+          <p:nvPr>
+            <p:ph idx="1"/>
+          </p:nvPr>
+        </p:nvGraphicFramePr>
+        <p:xfrm>
+          <a:off x="1066800" y="2603500"/>
+          <a:ext cx="10058400" cy="2291080"/>
+        </p:xfrm>
+        <a:graphic>
+          <a:graphicData uri="http://schemas.openxmlformats.org/drawingml/2006/table">
+            <a:tbl>
+              <a:tblPr firstRow="1" bandRow="1">
+                <a:tableStyleId>{5C22544A-7EE6-4342-B048-85BDC9FD1C3A}</a:tableStyleId>
+              </a:tblPr>
+              <a:tblGrid>
+                <a:gridCol w="5029200">
+                  <a:extLst>
+                    <a:ext uri="{9D8B030D-6E8A-4147-A177-3AD203B41FA5}">
+                      <a16:colId xmlns:a16="http://schemas.microsoft.com/office/drawing/2014/main" val="2165619664"/>
+                    </a:ext>
+                  </a:extLst>
+                </a:gridCol>
+                <a:gridCol w="5029200">
+                  <a:extLst>
+                    <a:ext uri="{9D8B030D-6E8A-4147-A177-3AD203B41FA5}">
+                      <a16:colId xmlns:a16="http://schemas.microsoft.com/office/drawing/2014/main" val="1353511667"/>
+                    </a:ext>
+                  </a:extLst>
+                </a:gridCol>
+              </a:tblGrid>
+              <a:tr h="370840">
+                <a:tc>
+                  <a:txBody>
+                    <a:bodyPr/>
+                    <a:lstStyle/>
+                    <a:p>
+                      <a:pPr algn="ctr"/>
+                      <a:r>
+                        <a:rPr lang="en-US" dirty="0"/>
+                        <a:t>Method</a:t>
+                      </a:r>
+                    </a:p>
+                  </a:txBody>
+                  <a:tcPr anchor="ctr"/>
+                </a:tc>
+                <a:tc>
+                  <a:txBody>
+                    <a:bodyPr/>
+                    <a:lstStyle/>
+                    <a:p>
+                      <a:pPr algn="ctr"/>
+                      <a:r>
+                        <a:rPr lang="en-US" dirty="0"/>
+                        <a:t>Accuracy</a:t>
+                      </a:r>
+                    </a:p>
+                  </a:txBody>
+                  <a:tcPr anchor="ctr"/>
+                </a:tc>
+                <a:extLst>
+                  <a:ext uri="{0D108BD9-81ED-4DB2-BD59-A6C34878D82A}">
+                    <a16:rowId xmlns:a16="http://schemas.microsoft.com/office/drawing/2014/main" val="3734311840"/>
+                  </a:ext>
+                </a:extLst>
+              </a:tr>
+              <a:tr h="370840">
+                <a:tc>
+                  <a:txBody>
+                    <a:bodyPr/>
+                    <a:lstStyle/>
+                    <a:p>
+                      <a:pPr algn="ctr"/>
+                      <a:r>
+                        <a:rPr lang="en-US" sz="1800" b="0" i="0" u="none" strike="noStrike" kern="1200" baseline="0" dirty="0">
+                          <a:solidFill>
+                            <a:schemeClr val="dk1"/>
+                          </a:solidFill>
+                          <a:latin typeface="+mn-lt"/>
+                          <a:ea typeface="+mn-ea"/>
+                          <a:cs typeface="+mn-cs"/>
+                        </a:rPr>
+                        <a:t>LSTM Q + I(baseline paper in English VQA v1)</a:t>
+                      </a:r>
+                      <a:endParaRPr lang="en-US" dirty="0"/>
+                    </a:p>
+                  </a:txBody>
+                  <a:tcPr anchor="ctr"/>
+                </a:tc>
+                <a:tc>
+                  <a:txBody>
+                    <a:bodyPr/>
+                    <a:lstStyle/>
+                    <a:p>
+                      <a:pPr algn="ctr"/>
+                      <a:r>
+                        <a:rPr lang="en-US" sz="1800" b="0" i="0" u="none" strike="noStrike" kern="1200" baseline="0" dirty="0">
+                          <a:solidFill>
+                            <a:schemeClr val="dk1"/>
+                          </a:solidFill>
+                          <a:latin typeface="+mn-lt"/>
+                          <a:ea typeface="+mn-ea"/>
+                          <a:cs typeface="+mn-cs"/>
+                        </a:rPr>
+                        <a:t>53.74</a:t>
+                      </a:r>
+                      <a:endParaRPr lang="en-US" dirty="0"/>
+                    </a:p>
+                  </a:txBody>
+                  <a:tcPr anchor="ctr"/>
+                </a:tc>
+                <a:extLst>
+                  <a:ext uri="{0D108BD9-81ED-4DB2-BD59-A6C34878D82A}">
+                    <a16:rowId xmlns:a16="http://schemas.microsoft.com/office/drawing/2014/main" val="2110287665"/>
+                  </a:ext>
+                </a:extLst>
+              </a:tr>
+              <a:tr h="370840">
+                <a:tc>
+                  <a:txBody>
+                    <a:bodyPr/>
+                    <a:lstStyle/>
+                    <a:p>
+                      <a:pPr algn="ctr"/>
+                      <a:r>
+                        <a:rPr lang="en-US" sz="1800" b="0" i="0" u="none" strike="noStrike" kern="1200" baseline="0" dirty="0">
+                          <a:solidFill>
+                            <a:schemeClr val="dk1"/>
+                          </a:solidFill>
+                          <a:latin typeface="+mn-lt"/>
+                          <a:ea typeface="+mn-ea"/>
+                          <a:cs typeface="+mn-cs"/>
+                        </a:rPr>
+                        <a:t>LSTM Q + I(Our Implementation in English VQA v1+fasttext with 3000 questions)</a:t>
+                      </a:r>
+                      <a:endParaRPr lang="en-US" dirty="0"/>
+                    </a:p>
+                  </a:txBody>
+                  <a:tcPr anchor="ctr"/>
+                </a:tc>
+                <a:tc>
+                  <a:txBody>
+                    <a:bodyPr/>
+                    <a:lstStyle/>
+                    <a:p>
+                      <a:pPr algn="ctr"/>
+                      <a:r>
+                        <a:rPr lang="fa-IR" dirty="0"/>
+                        <a:t>48.7</a:t>
+                      </a:r>
+                      <a:endParaRPr lang="en-US" dirty="0"/>
+                    </a:p>
+                  </a:txBody>
+                  <a:tcPr anchor="ctr"/>
+                </a:tc>
+                <a:extLst>
+                  <a:ext uri="{0D108BD9-81ED-4DB2-BD59-A6C34878D82A}">
+                    <a16:rowId xmlns:a16="http://schemas.microsoft.com/office/drawing/2014/main" val="3174074227"/>
+                  </a:ext>
+                </a:extLst>
+              </a:tr>
+              <a:tr h="370840">
+                <a:tc>
+                  <a:txBody>
+                    <a:bodyPr/>
+                    <a:lstStyle/>
+                    <a:p>
+                      <a:pPr marL="0" marR="0" lvl="0" indent="0" algn="ctr" defTabSz="914400" rtl="1" eaLnBrk="1" fontAlgn="auto" latinLnBrk="0" hangingPunct="1">
+                        <a:lnSpc>
+                          <a:spcPct val="100000"/>
+                        </a:lnSpc>
+                        <a:spcBef>
+                          <a:spcPts val="0"/>
+                        </a:spcBef>
+                        <a:spcAft>
+                          <a:spcPts val="0"/>
+                        </a:spcAft>
+                        <a:buClrTx/>
+                        <a:buSzTx/>
+                        <a:buFontTx/>
+                        <a:buNone/>
+                        <a:tabLst/>
+                        <a:defRPr/>
+                      </a:pPr>
+                      <a:r>
+                        <a:rPr lang="en-US" sz="1800" b="0" i="0" u="none" strike="noStrike" kern="1200" baseline="0" dirty="0">
+                          <a:solidFill>
+                            <a:schemeClr val="dk1"/>
+                          </a:solidFill>
+                          <a:latin typeface="+mn-lt"/>
+                          <a:ea typeface="+mn-ea"/>
+                          <a:cs typeface="+mn-cs"/>
+                        </a:rPr>
+                        <a:t>LSTM Q + I(Our Implementation in Persian VQA v1 with 3000 questions)</a:t>
+                      </a:r>
+                      <a:endParaRPr lang="en-US" dirty="0"/>
+                    </a:p>
+                  </a:txBody>
+                  <a:tcPr anchor="ctr"/>
+                </a:tc>
+                <a:tc>
+                  <a:txBody>
+                    <a:bodyPr/>
+                    <a:lstStyle/>
+                    <a:p>
+                      <a:pPr algn="ctr"/>
+                      <a:r>
+                        <a:rPr lang="en-US" dirty="0"/>
+                        <a:t>43.39</a:t>
+                      </a:r>
+                    </a:p>
+                  </a:txBody>
+                  <a:tcPr anchor="ctr"/>
+                </a:tc>
+                <a:extLst>
+                  <a:ext uri="{0D108BD9-81ED-4DB2-BD59-A6C34878D82A}">
+                    <a16:rowId xmlns:a16="http://schemas.microsoft.com/office/drawing/2014/main" val="3177211031"/>
+                  </a:ext>
+                </a:extLst>
+              </a:tr>
+            </a:tbl>
+          </a:graphicData>
+        </a:graphic>
+      </p:graphicFrame>
+    </p:spTree>
+    <p:extLst>
+      <p:ext uri="{BB962C8B-B14F-4D97-AF65-F5344CB8AC3E}">
+        <p14:creationId xmlns:p14="http://schemas.microsoft.com/office/powerpoint/2010/main" val="3990971539"/>
+      </p:ext>
+    </p:extLst>
+  </p:cSld>
+  <p:clrMapOvr>
+    <a:masterClrMapping/>
+  </p:clrMapOvr>
+</p:sld>
+</file>
+
+<file path=ppt/slides/slide11.xml><?xml version="1.0" encoding="utf-8"?>
+<p:sld xmlns:a="http://schemas.openxmlformats.org/drawingml/2006/main" xmlns:r="http://schemas.openxmlformats.org/officeDocument/2006/relationships" xmlns:p="http://schemas.openxmlformats.org/presentationml/2006/main">
+  <p:cSld>
+    <p:spTree>
+      <p:nvGrpSpPr>
+        <p:cNvPr id="1" name=""/>
+        <p:cNvGrpSpPr/>
+        <p:nvPr/>
+      </p:nvGrpSpPr>
+      <p:grpSpPr>
+        <a:xfrm>
+          <a:off x="0" y="0"/>
+          <a:ext cx="0" cy="0"/>
+          <a:chOff x="0" y="0"/>
+          <a:chExt cx="0" cy="0"/>
+        </a:xfrm>
+      </p:grpSpPr>
       <p:pic>
         <p:nvPicPr>
           <p:cNvPr id="9" name="Content Placeholder 8">
@@ -10685,7 +10980,7 @@
 </p:sld>
 </file>
 
-<file path=ppt/slides/slide11.xml><?xml version="1.0" encoding="utf-8"?>
+<file path=ppt/slides/slide12.xml><?xml version="1.0" encoding="utf-8"?>
 <p:sld xmlns:a="http://schemas.openxmlformats.org/drawingml/2006/main" xmlns:r="http://schemas.openxmlformats.org/officeDocument/2006/relationships" xmlns:p="http://schemas.openxmlformats.org/presentationml/2006/main">
   <p:cSld>
     <p:spTree>
@@ -10968,7 +11263,7 @@
 </p:sld>
 </file>
 
-<file path=ppt/slides/slide12.xml><?xml version="1.0" encoding="utf-8"?>
+<file path=ppt/slides/slide13.xml><?xml version="1.0" encoding="utf-8"?>
 <p:sld xmlns:a="http://schemas.openxmlformats.org/drawingml/2006/main" xmlns:r="http://schemas.openxmlformats.org/officeDocument/2006/relationships" xmlns:p="http://schemas.openxmlformats.org/presentationml/2006/main">
   <p:cSld>
     <p:spTree>
@@ -13339,6 +13634,16 @@
           <a:prstGeom prst="rect">
             <a:avLst/>
           </a:prstGeom>
+          <a:ln>
+            <a:noFill/>
+          </a:ln>
+          <a:effectLst>
+            <a:outerShdw blurRad="292100" dist="139700" dir="2700000" algn="tl" rotWithShape="0">
+              <a:srgbClr val="333333">
+                <a:alpha val="65000"/>
+              </a:srgbClr>
+            </a:outerShdw>
+          </a:effectLst>
         </p:spPr>
       </p:pic>
       <p:pic>
@@ -13368,6 +13673,16 @@
           <a:prstGeom prst="rect">
             <a:avLst/>
           </a:prstGeom>
+          <a:ln>
+            <a:noFill/>
+          </a:ln>
+          <a:effectLst>
+            <a:outerShdw blurRad="292100" dist="139700" dir="2700000" algn="tl" rotWithShape="0">
+              <a:srgbClr val="333333">
+                <a:alpha val="65000"/>
+              </a:srgbClr>
+            </a:outerShdw>
+          </a:effectLst>
         </p:spPr>
       </p:pic>
       <p:sp>
@@ -13385,7 +13700,7 @@
         <p:spPr>
           <a:xfrm>
             <a:off x="9661586" y="3371442"/>
-            <a:ext cx="1837426" cy="1200329"/>
+            <a:ext cx="1837426" cy="1477328"/>
           </a:xfrm>
           <a:prstGeom prst="rect">
             <a:avLst/>
@@ -13421,12 +13736,51 @@
               <a:t>300 +1 classes</a:t>
             </a:r>
           </a:p>
+          <a:p>
+            <a:endParaRPr lang="en-US" dirty="0"/>
+          </a:p>
+        </p:txBody>
+      </p:sp>
+      <p:sp>
+        <p:nvSpPr>
+          <p:cNvPr id="7" name="TextBox 6">
+            <a:extLst>
+              <a:ext uri="{FF2B5EF4-FFF2-40B4-BE49-F238E27FC236}">
+                <a16:creationId xmlns:a16="http://schemas.microsoft.com/office/drawing/2014/main" id="{0C31E84D-4914-4B80-A2B6-282EC86AFC57}"/>
+              </a:ext>
+            </a:extLst>
+          </p:cNvPr>
+          <p:cNvSpPr txBox="1"/>
+          <p:nvPr/>
+        </p:nvSpPr>
+        <p:spPr>
+          <a:xfrm>
+            <a:off x="3511826" y="5467354"/>
+            <a:ext cx="3657600" cy="369332"/>
+          </a:xfrm>
+          <a:prstGeom prst="rect">
+            <a:avLst/>
+          </a:prstGeom>
+          <a:noFill/>
+        </p:spPr>
+        <p:txBody>
+          <a:bodyPr wrap="square" rtlCol="0">
+            <a:spAutoFit/>
+          </a:bodyPr>
+          <a:lstStyle/>
+          <a:p>
+            <a:pPr algn="ctr"/>
+            <a:r>
+              <a:rPr lang="en-US" dirty="0"/>
+              <a:t>Without pretrained embedding</a:t>
+            </a:r>
+          </a:p>
         </p:txBody>
       </p:sp>
     </p:spTree>
     <p:extLst>
       <p:ext uri="{BB962C8B-B14F-4D97-AF65-F5344CB8AC3E}">
-        <p14:creationId xmlns:p14="http://schemas.microsoft.com/office/powerpoint/2010/main" val="2344417453"/>
+        <p14:creationId xmlns:p14="http://schemas.microsoft.com/office/powerpoint/2010/main" val="1863511009"/>
       </p:ext>
     </p:extLst>
   </p:cSld>
@@ -13482,206 +13836,198 @@
           </a:p>
         </p:txBody>
       </p:sp>
-      <p:graphicFrame>
-        <p:nvGraphicFramePr>
-          <p:cNvPr id="7" name="Table 7">
+      <p:sp>
+        <p:nvSpPr>
+          <p:cNvPr id="6" name="TextBox 5">
             <a:extLst>
               <a:ext uri="{FF2B5EF4-FFF2-40B4-BE49-F238E27FC236}">
-                <a16:creationId xmlns:a16="http://schemas.microsoft.com/office/drawing/2014/main" id="{21037135-E8B7-40CD-AD50-B40EFDA9A8FC}"/>
+                <a16:creationId xmlns:a16="http://schemas.microsoft.com/office/drawing/2014/main" id="{4FCB00A4-E315-42F8-B805-3DAF3E01D492}"/>
               </a:ext>
             </a:extLst>
           </p:cNvPr>
-          <p:cNvGraphicFramePr>
-            <a:graphicFrameLocks noGrp="1"/>
-          </p:cNvGraphicFramePr>
-          <p:nvPr>
-            <p:ph idx="1"/>
-            <p:extLst>
-              <p:ext uri="{D42A27DB-BD31-4B8C-83A1-F6EECF244321}">
-                <p14:modId xmlns:p14="http://schemas.microsoft.com/office/powerpoint/2010/main" val="870583318"/>
-              </p:ext>
-            </p:extLst>
-          </p:nvPr>
-        </p:nvGraphicFramePr>
-        <p:xfrm>
-          <a:off x="1066800" y="2603500"/>
-          <a:ext cx="10058400" cy="1651000"/>
-        </p:xfrm>
-        <a:graphic>
-          <a:graphicData uri="http://schemas.openxmlformats.org/drawingml/2006/table">
-            <a:tbl>
-              <a:tblPr firstRow="1" bandRow="1">
-                <a:tableStyleId>{5C22544A-7EE6-4342-B048-85BDC9FD1C3A}</a:tableStyleId>
-              </a:tblPr>
-              <a:tblGrid>
-                <a:gridCol w="5029200">
-                  <a:extLst>
-                    <a:ext uri="{9D8B030D-6E8A-4147-A177-3AD203B41FA5}">
-                      <a16:colId xmlns:a16="http://schemas.microsoft.com/office/drawing/2014/main" val="2165619664"/>
-                    </a:ext>
-                  </a:extLst>
-                </a:gridCol>
-                <a:gridCol w="5029200">
-                  <a:extLst>
-                    <a:ext uri="{9D8B030D-6E8A-4147-A177-3AD203B41FA5}">
-                      <a16:colId xmlns:a16="http://schemas.microsoft.com/office/drawing/2014/main" val="1353511667"/>
-                    </a:ext>
-                  </a:extLst>
-                </a:gridCol>
-              </a:tblGrid>
-              <a:tr h="370840">
-                <a:tc>
-                  <a:txBody>
-                    <a:bodyPr/>
-                    <a:lstStyle/>
-                    <a:p>
-                      <a:pPr algn="ctr"/>
-                      <a:r>
-                        <a:rPr lang="en-US" dirty="0"/>
-                        <a:t>Method</a:t>
-                      </a:r>
-                    </a:p>
-                  </a:txBody>
-                  <a:tcPr anchor="ctr"/>
-                </a:tc>
-                <a:tc>
-                  <a:txBody>
-                    <a:bodyPr/>
-                    <a:lstStyle/>
-                    <a:p>
-                      <a:pPr algn="ctr"/>
-                      <a:r>
-                        <a:rPr lang="en-US" dirty="0"/>
-                        <a:t>Accuracy</a:t>
-                      </a:r>
-                    </a:p>
-                  </a:txBody>
-                  <a:tcPr anchor="ctr"/>
-                </a:tc>
-                <a:extLst>
-                  <a:ext uri="{0D108BD9-81ED-4DB2-BD59-A6C34878D82A}">
-                    <a16:rowId xmlns:a16="http://schemas.microsoft.com/office/drawing/2014/main" val="3734311840"/>
-                  </a:ext>
-                </a:extLst>
-              </a:tr>
-              <a:tr h="370840">
-                <a:tc>
-                  <a:txBody>
-                    <a:bodyPr/>
-                    <a:lstStyle/>
-                    <a:p>
-                      <a:pPr algn="ctr"/>
-                      <a:r>
-                        <a:rPr lang="en-US" sz="1800" b="0" i="0" u="none" strike="noStrike" kern="1200" baseline="0" dirty="0">
-                          <a:solidFill>
-                            <a:schemeClr val="dk1"/>
-                          </a:solidFill>
-                          <a:latin typeface="+mn-lt"/>
-                          <a:ea typeface="+mn-ea"/>
-                          <a:cs typeface="+mn-cs"/>
-                        </a:rPr>
-                        <a:t>LSTM Q + I(baseline paper in English VQA v1)</a:t>
-                      </a:r>
-                      <a:endParaRPr lang="en-US" dirty="0"/>
-                    </a:p>
-                  </a:txBody>
-                  <a:tcPr anchor="ctr"/>
-                </a:tc>
-                <a:tc>
-                  <a:txBody>
-                    <a:bodyPr/>
-                    <a:lstStyle/>
-                    <a:p>
-                      <a:pPr algn="ctr"/>
-                      <a:r>
-                        <a:rPr lang="en-US" sz="1800" b="0" i="0" u="none" strike="noStrike" kern="1200" baseline="0" dirty="0">
-                          <a:solidFill>
-                            <a:schemeClr val="dk1"/>
-                          </a:solidFill>
-                          <a:latin typeface="+mn-lt"/>
-                          <a:ea typeface="+mn-ea"/>
-                          <a:cs typeface="+mn-cs"/>
-                        </a:rPr>
-                        <a:t>53.74</a:t>
-                      </a:r>
-                      <a:endParaRPr lang="en-US" dirty="0"/>
-                    </a:p>
-                  </a:txBody>
-                  <a:tcPr anchor="ctr"/>
-                </a:tc>
-                <a:extLst>
-                  <a:ext uri="{0D108BD9-81ED-4DB2-BD59-A6C34878D82A}">
-                    <a16:rowId xmlns:a16="http://schemas.microsoft.com/office/drawing/2014/main" val="2110287665"/>
-                  </a:ext>
-                </a:extLst>
-              </a:tr>
-              <a:tr h="370840">
-                <a:tc>
-                  <a:txBody>
-                    <a:bodyPr/>
-                    <a:lstStyle/>
-                    <a:p>
-                      <a:pPr marL="0" marR="0" lvl="0" indent="0" algn="ctr" defTabSz="914400" rtl="1" eaLnBrk="1" fontAlgn="auto" latinLnBrk="0" hangingPunct="1">
-                        <a:lnSpc>
-                          <a:spcPct val="100000"/>
-                        </a:lnSpc>
-                        <a:spcBef>
-                          <a:spcPts val="0"/>
-                        </a:spcBef>
-                        <a:spcAft>
-                          <a:spcPts val="0"/>
-                        </a:spcAft>
-                        <a:buClrTx/>
-                        <a:buSzTx/>
-                        <a:buFontTx/>
-                        <a:buNone/>
-                        <a:tabLst/>
-                        <a:defRPr/>
-                      </a:pPr>
-                      <a:r>
-                        <a:rPr lang="en-US" sz="1800" b="0" i="0" u="none" strike="noStrike" kern="1200" baseline="0" dirty="0">
-                          <a:solidFill>
-                            <a:schemeClr val="dk1"/>
-                          </a:solidFill>
-                          <a:latin typeface="+mn-lt"/>
-                          <a:ea typeface="+mn-ea"/>
-                          <a:cs typeface="+mn-cs"/>
-                        </a:rPr>
-                        <a:t>LSTM Q + I(Our Implementation in Persian VQA v1)</a:t>
-                      </a:r>
-                      <a:endParaRPr lang="en-US" dirty="0"/>
-                    </a:p>
-                  </a:txBody>
-                  <a:tcPr anchor="ctr"/>
-                </a:tc>
-                <a:tc>
-                  <a:txBody>
-                    <a:bodyPr/>
-                    <a:lstStyle/>
-                    <a:p>
-                      <a:pPr algn="ctr"/>
-                      <a:r>
-                        <a:rPr lang="en-US" dirty="0"/>
-                        <a:t>43.39</a:t>
-                      </a:r>
-                    </a:p>
-                  </a:txBody>
-                  <a:tcPr anchor="ctr"/>
-                </a:tc>
-                <a:extLst>
-                  <a:ext uri="{0D108BD9-81ED-4DB2-BD59-A6C34878D82A}">
-                    <a16:rowId xmlns:a16="http://schemas.microsoft.com/office/drawing/2014/main" val="3177211031"/>
-                  </a:ext>
-                </a:extLst>
-              </a:tr>
-            </a:tbl>
-          </a:graphicData>
-        </a:graphic>
-      </p:graphicFrame>
+          <p:cNvSpPr txBox="1"/>
+          <p:nvPr/>
+        </p:nvSpPr>
+        <p:spPr>
+          <a:xfrm>
+            <a:off x="9661586" y="3371442"/>
+            <a:ext cx="1837426" cy="1477328"/>
+          </a:xfrm>
+          <a:prstGeom prst="rect">
+            <a:avLst/>
+          </a:prstGeom>
+          <a:noFill/>
+        </p:spPr>
+        <p:txBody>
+          <a:bodyPr wrap="square" rtlCol="0">
+            <a:spAutoFit/>
+          </a:bodyPr>
+          <a:lstStyle/>
+          <a:p>
+            <a:r>
+              <a:rPr lang="en-US" dirty="0"/>
+              <a:t>3000 Train</a:t>
+            </a:r>
+          </a:p>
+          <a:p>
+            <a:r>
+              <a:rPr lang="en-US" dirty="0"/>
+              <a:t>1500 Val</a:t>
+            </a:r>
+          </a:p>
+          <a:p>
+            <a:r>
+              <a:rPr lang="en-US" dirty="0"/>
+              <a:t>1500 test</a:t>
+            </a:r>
+          </a:p>
+          <a:p>
+            <a:r>
+              <a:rPr lang="en-US" dirty="0"/>
+              <a:t>300 +1 classes</a:t>
+            </a:r>
+          </a:p>
+          <a:p>
+            <a:endParaRPr lang="en-US" dirty="0"/>
+          </a:p>
+        </p:txBody>
+      </p:sp>
+      <p:sp>
+        <p:nvSpPr>
+          <p:cNvPr id="7" name="TextBox 6">
+            <a:extLst>
+              <a:ext uri="{FF2B5EF4-FFF2-40B4-BE49-F238E27FC236}">
+                <a16:creationId xmlns:a16="http://schemas.microsoft.com/office/drawing/2014/main" id="{0C31E84D-4914-4B80-A2B6-282EC86AFC57}"/>
+              </a:ext>
+            </a:extLst>
+          </p:cNvPr>
+          <p:cNvSpPr txBox="1"/>
+          <p:nvPr/>
+        </p:nvSpPr>
+        <p:spPr>
+          <a:xfrm>
+            <a:off x="3511826" y="5467354"/>
+            <a:ext cx="3657600" cy="369332"/>
+          </a:xfrm>
+          <a:prstGeom prst="rect">
+            <a:avLst/>
+          </a:prstGeom>
+          <a:noFill/>
+        </p:spPr>
+        <p:txBody>
+          <a:bodyPr wrap="square" rtlCol="0">
+            <a:spAutoFit/>
+          </a:bodyPr>
+          <a:lstStyle/>
+          <a:p>
+            <a:pPr algn="ctr"/>
+            <a:r>
+              <a:rPr lang="en-US" dirty="0"/>
+              <a:t>With </a:t>
+            </a:r>
+            <a:r>
+              <a:rPr lang="en-US" dirty="0" err="1"/>
+              <a:t>fasttext</a:t>
+            </a:r>
+            <a:r>
+              <a:rPr lang="en-US" dirty="0"/>
+              <a:t> (</a:t>
+            </a:r>
+            <a:r>
+              <a:rPr lang="en-US" dirty="0" err="1"/>
+              <a:t>english</a:t>
+            </a:r>
+            <a:r>
+              <a:rPr lang="en-US" dirty="0"/>
+              <a:t>)</a:t>
+            </a:r>
+          </a:p>
+        </p:txBody>
+      </p:sp>
+      <p:pic>
+        <p:nvPicPr>
+          <p:cNvPr id="4" name="Picture 3">
+            <a:extLst>
+              <a:ext uri="{FF2B5EF4-FFF2-40B4-BE49-F238E27FC236}">
+                <a16:creationId xmlns:a16="http://schemas.microsoft.com/office/drawing/2014/main" id="{2B77BFE2-23C5-41DE-A3B4-C20C6BE277F5}"/>
+              </a:ext>
+            </a:extLst>
+          </p:cNvPr>
+          <p:cNvPicPr>
+            <a:picLocks noChangeAspect="1"/>
+          </p:cNvPicPr>
+          <p:nvPr/>
+        </p:nvPicPr>
+        <p:blipFill>
+          <a:blip r:embed="rId2"/>
+          <a:stretch>
+            <a:fillRect/>
+          </a:stretch>
+        </p:blipFill>
+        <p:spPr>
+          <a:xfrm>
+            <a:off x="1269724" y="2518657"/>
+            <a:ext cx="3678298" cy="2628901"/>
+          </a:xfrm>
+          <a:prstGeom prst="rect">
+            <a:avLst/>
+          </a:prstGeom>
+          <a:ln>
+            <a:noFill/>
+          </a:ln>
+          <a:effectLst>
+            <a:outerShdw blurRad="292100" dist="139700" dir="2700000" algn="tl" rotWithShape="0">
+              <a:srgbClr val="333333">
+                <a:alpha val="65000"/>
+              </a:srgbClr>
+            </a:outerShdw>
+          </a:effectLst>
+        </p:spPr>
+      </p:pic>
+      <p:pic>
+        <p:nvPicPr>
+          <p:cNvPr id="10" name="Picture 9">
+            <a:extLst>
+              <a:ext uri="{FF2B5EF4-FFF2-40B4-BE49-F238E27FC236}">
+                <a16:creationId xmlns:a16="http://schemas.microsoft.com/office/drawing/2014/main" id="{E3B96CC7-157A-4766-9AEF-19FEA054E31D}"/>
+              </a:ext>
+            </a:extLst>
+          </p:cNvPr>
+          <p:cNvPicPr>
+            <a:picLocks noChangeAspect="1"/>
+          </p:cNvPicPr>
+          <p:nvPr/>
+        </p:nvPicPr>
+        <p:blipFill>
+          <a:blip r:embed="rId3"/>
+          <a:stretch>
+            <a:fillRect/>
+          </a:stretch>
+        </p:blipFill>
+        <p:spPr>
+          <a:xfrm>
+            <a:off x="5526363" y="2540623"/>
+            <a:ext cx="3678298" cy="2594049"/>
+          </a:xfrm>
+          <a:prstGeom prst="rect">
+            <a:avLst/>
+          </a:prstGeom>
+          <a:ln>
+            <a:noFill/>
+          </a:ln>
+          <a:effectLst>
+            <a:outerShdw blurRad="292100" dist="139700" dir="2700000" algn="tl" rotWithShape="0">
+              <a:srgbClr val="333333">
+                <a:alpha val="65000"/>
+              </a:srgbClr>
+            </a:outerShdw>
+          </a:effectLst>
+        </p:spPr>
+      </p:pic>
     </p:spTree>
     <p:extLst>
       <p:ext uri="{BB962C8B-B14F-4D97-AF65-F5344CB8AC3E}">
-        <p14:creationId xmlns:p14="http://schemas.microsoft.com/office/powerpoint/2010/main" val="1808331067"/>
+        <p14:creationId xmlns:p14="http://schemas.microsoft.com/office/powerpoint/2010/main" val="1768889172"/>
       </p:ext>
     </p:extLst>
   </p:cSld>
@@ -13968,21 +14314,21 @@
 </file>
 
 <file path=customXml/item1.xml><?xml version="1.0" encoding="utf-8"?>
+<?mso-contentType ?>
+<FormTemplates xmlns="http://schemas.microsoft.com/sharepoint/v3/contenttype/forms">
+  <Display>DocumentLibraryForm</Display>
+  <Edit>DocumentLibraryForm</Edit>
+  <New>DocumentLibraryForm</New>
+</FormTemplates>
+</file>
+
+<file path=customXml/item2.xml><?xml version="1.0" encoding="utf-8"?>
 <p:properties xmlns:p="http://schemas.microsoft.com/office/2006/metadata/properties" xmlns:xsi="http://www.w3.org/2001/XMLSchema-instance" xmlns:pc="http://schemas.microsoft.com/office/infopath/2007/PartnerControls">
   <documentManagement>
     <Status xmlns="71af3243-3dd4-4a8d-8c0d-dd76da1f02a5">Not started</Status>
     <MediaServiceKeyPoints xmlns="71af3243-3dd4-4a8d-8c0d-dd76da1f02a5" xsi:nil="true"/>
   </documentManagement>
 </p:properties>
-</file>
-
-<file path=customXml/item2.xml><?xml version="1.0" encoding="utf-8"?>
-<?mso-contentType ?>
-<FormTemplates xmlns="http://schemas.microsoft.com/sharepoint/v3/contenttype/forms">
-  <Display>DocumentLibraryForm</Display>
-  <Edit>DocumentLibraryForm</Edit>
-  <New>DocumentLibraryForm</New>
-</FormTemplates>
 </file>
 
 <file path=customXml/item3.xml><?xml version="1.0" encoding="utf-8"?>
@@ -14207,19 +14553,19 @@
 </file>
 
 <file path=customXml/itemProps1.xml><?xml version="1.0" encoding="utf-8"?>
+<ds:datastoreItem xmlns:ds="http://schemas.openxmlformats.org/officeDocument/2006/customXml" ds:itemID="{CDB58277-F8DF-46FF-84EC-EF41B835E69F}">
+  <ds:schemaRefs>
+    <ds:schemaRef ds:uri="http://schemas.microsoft.com/sharepoint/v3/contenttype/forms"/>
+  </ds:schemaRefs>
+</ds:datastoreItem>
+</file>
+
+<file path=customXml/itemProps2.xml><?xml version="1.0" encoding="utf-8"?>
 <ds:datastoreItem xmlns:ds="http://schemas.openxmlformats.org/officeDocument/2006/customXml" ds:itemID="{137651BA-F45C-4845-9AB3-E0A65B39F5E1}">
   <ds:schemaRefs>
     <ds:schemaRef ds:uri="http://schemas.microsoft.com/office/2006/metadata/properties"/>
     <ds:schemaRef ds:uri="http://schemas.microsoft.com/office/infopath/2007/PartnerControls"/>
     <ds:schemaRef ds:uri="71af3243-3dd4-4a8d-8c0d-dd76da1f02a5"/>
-  </ds:schemaRefs>
-</ds:datastoreItem>
-</file>
-
-<file path=customXml/itemProps2.xml><?xml version="1.0" encoding="utf-8"?>
-<ds:datastoreItem xmlns:ds="http://schemas.openxmlformats.org/officeDocument/2006/customXml" ds:itemID="{CDB58277-F8DF-46FF-84EC-EF41B835E69F}">
-  <ds:schemaRefs>
-    <ds:schemaRef ds:uri="http://schemas.microsoft.com/sharepoint/v3/contenttype/forms"/>
   </ds:schemaRefs>
 </ds:datastoreItem>
 </file>
